--- a/Présentation traitement d'images.pptx
+++ b/Présentation traitement d'images.pptx
@@ -144,10 +144,8 @@
 <file path=ppt/revisionInfo.xml><?xml version="1.0" encoding="utf-8"?>
 <p1510:revInfo xmlns:a="http://schemas.openxmlformats.org/drawingml/2006/main" xmlns:r="http://schemas.openxmlformats.org/officeDocument/2006/relationships" xmlns:p1510="http://schemas.microsoft.com/office/powerpoint/2015/10/main">
   <p1510:revLst>
-    <p1510:client id="{076F8DD1-EF1A-0D11-699A-B7356E22D9FB}" v="163" dt="2024-02-22T01:17:31.179"/>
     <p1510:client id="{1820DE2D-C01B-42FB-14B3-8CA5B07F93B6}" v="421" dt="2024-02-23T21:00:55.337"/>
-    <p1510:client id="{5455453E-3889-5A88-2E69-59BC5706E285}" v="1" dt="2024-02-22T13:36:16.922"/>
-    <p1510:client id="{64515E0F-4596-4B25-9B43-43660DE41E73}" v="3469" dt="2024-02-22T12:33:40.589"/>
+    <p1510:client id="{B6406469-DA57-82B2-9E59-37AAEF81E3F7}" v="18" dt="2024-02-24T17:54:55.822"/>
   </p1510:revLst>
 </p1510:revInfo>
 </file>
@@ -234,7 +232,7 @@
           <a:p>
             <a:fld id="{B1D77B1E-DAC4-4923-98BB-A15D3722234F}" type="datetimeFigureOut">
               <a:rPr lang="fr-FR" smtClean="0"/>
-              <a:t>23/02/2024</a:t>
+              <a:t>24/02/2024</a:t>
             </a:fld>
             <a:endParaRPr lang="fr-FR"/>
           </a:p>
@@ -732,7 +730,7 @@
           <a:p>
             <a:fld id="{F487658E-D818-4D7F-A88A-922945300D57}" type="datetimeFigureOut">
               <a:rPr lang="fr-FR" smtClean="0"/>
-              <a:t>23/02/2024</a:t>
+              <a:t>24/02/2024</a:t>
             </a:fld>
             <a:endParaRPr lang="fr-FR"/>
           </a:p>
@@ -930,7 +928,7 @@
           <a:p>
             <a:fld id="{F487658E-D818-4D7F-A88A-922945300D57}" type="datetimeFigureOut">
               <a:rPr lang="fr-FR" smtClean="0"/>
-              <a:t>23/02/2024</a:t>
+              <a:t>24/02/2024</a:t>
             </a:fld>
             <a:endParaRPr lang="fr-FR"/>
           </a:p>
@@ -1138,7 +1136,7 @@
           <a:p>
             <a:fld id="{F487658E-D818-4D7F-A88A-922945300D57}" type="datetimeFigureOut">
               <a:rPr lang="fr-FR" smtClean="0"/>
-              <a:t>23/02/2024</a:t>
+              <a:t>24/02/2024</a:t>
             </a:fld>
             <a:endParaRPr lang="fr-FR"/>
           </a:p>
@@ -1956,7 +1954,7 @@
           <a:p>
             <a:fld id="{41ADF1D1-C84D-4D7C-88D5-F1AF4BEF2B7B}" type="datetime1">
               <a:rPr lang="fr-FR" smtClean="0"/>
-              <a:t>23/02/2024</a:t>
+              <a:t>24/02/2024</a:t>
             </a:fld>
             <a:endParaRPr lang="fr-FR"/>
           </a:p>
@@ -2126,7 +2124,7 @@
           <a:p>
             <a:fld id="{8A181908-B423-4FA6-9BF0-85D0B3A56B5D}" type="datetime1">
               <a:rPr lang="fr-FR" smtClean="0"/>
-              <a:t>23/02/2024</a:t>
+              <a:t>24/02/2024</a:t>
             </a:fld>
             <a:endParaRPr lang="fr-FR"/>
           </a:p>
@@ -2373,7 +2371,7 @@
           <a:p>
             <a:fld id="{EF1E386C-11F9-4A04-B667-A231906F727C}" type="datetime1">
               <a:rPr lang="fr-FR" smtClean="0"/>
-              <a:t>23/02/2024</a:t>
+              <a:t>24/02/2024</a:t>
             </a:fld>
             <a:endParaRPr lang="fr-FR"/>
           </a:p>
@@ -2605,7 +2603,7 @@
           <a:p>
             <a:fld id="{7E8CFCBF-BE1F-457E-942E-42CF45531A9B}" type="datetime1">
               <a:rPr lang="fr-FR" smtClean="0"/>
-              <a:t>23/02/2024</a:t>
+              <a:t>24/02/2024</a:t>
             </a:fld>
             <a:endParaRPr lang="fr-FR"/>
           </a:p>
@@ -2979,7 +2977,7 @@
           <a:p>
             <a:fld id="{8007D924-647E-4BFB-8028-1D6515C7FC59}" type="datetime1">
               <a:rPr lang="fr-FR" smtClean="0"/>
-              <a:t>23/02/2024</a:t>
+              <a:t>24/02/2024</a:t>
             </a:fld>
             <a:endParaRPr lang="fr-FR"/>
           </a:p>
@@ -3102,7 +3100,7 @@
           <a:p>
             <a:fld id="{6C1E75B2-F2F5-4624-941B-DFE9D7F378A1}" type="datetime1">
               <a:rPr lang="fr-FR" smtClean="0"/>
-              <a:t>23/02/2024</a:t>
+              <a:t>24/02/2024</a:t>
             </a:fld>
             <a:endParaRPr lang="fr-FR"/>
           </a:p>
@@ -3197,7 +3195,7 @@
           <a:p>
             <a:fld id="{A1F81396-85FF-4F31-A8DA-F9FB3269C36C}" type="datetime1">
               <a:rPr lang="fr-FR" smtClean="0"/>
-              <a:t>23/02/2024</a:t>
+              <a:t>24/02/2024</a:t>
             </a:fld>
             <a:endParaRPr lang="fr-FR"/>
           </a:p>
@@ -3452,7 +3450,7 @@
           <a:p>
             <a:fld id="{69CB0122-1260-4C3A-B489-5C10D0BC868D}" type="datetime1">
               <a:rPr lang="fr-FR" smtClean="0"/>
-              <a:t>23/02/2024</a:t>
+              <a:t>24/02/2024</a:t>
             </a:fld>
             <a:endParaRPr lang="fr-FR"/>
           </a:p>
@@ -3638,7 +3636,7 @@
           <a:p>
             <a:fld id="{F487658E-D818-4D7F-A88A-922945300D57}" type="datetimeFigureOut">
               <a:rPr lang="fr-FR" smtClean="0"/>
-              <a:t>23/02/2024</a:t>
+              <a:t>24/02/2024</a:t>
             </a:fld>
             <a:endParaRPr lang="fr-FR"/>
           </a:p>
@@ -3955,7 +3953,7 @@
           <a:p>
             <a:fld id="{55481E97-B88A-4689-80B4-EF645DC20EE7}" type="datetime1">
               <a:rPr lang="fr-FR" smtClean="0"/>
-              <a:t>23/02/2024</a:t>
+              <a:t>24/02/2024</a:t>
             </a:fld>
             <a:endParaRPr lang="fr-FR"/>
           </a:p>
@@ -4164,7 +4162,7 @@
           <a:p>
             <a:fld id="{C1001858-38CC-4220-A931-C7BB43D64C2E}" type="datetime1">
               <a:rPr lang="fr-FR" smtClean="0"/>
-              <a:t>23/02/2024</a:t>
+              <a:t>24/02/2024</a:t>
             </a:fld>
             <a:endParaRPr lang="fr-FR"/>
           </a:p>
@@ -4479,7 +4477,7 @@
           <a:p>
             <a:fld id="{C1001858-38CC-4220-A931-C7BB43D64C2E}" type="datetime1">
               <a:rPr lang="fr-FR" smtClean="0"/>
-              <a:t>23/02/2024</a:t>
+              <a:t>24/02/2024</a:t>
             </a:fld>
             <a:endParaRPr lang="fr-FR"/>
           </a:p>
@@ -4813,7 +4811,7 @@
           <a:p>
             <a:fld id="{C1001858-38CC-4220-A931-C7BB43D64C2E}" type="datetime1">
               <a:rPr lang="fr-FR" smtClean="0"/>
-              <a:t>23/02/2024</a:t>
+              <a:t>24/02/2024</a:t>
             </a:fld>
             <a:endParaRPr lang="fr-FR"/>
           </a:p>
@@ -5128,7 +5126,7 @@
           <a:p>
             <a:fld id="{C1001858-38CC-4220-A931-C7BB43D64C2E}" type="datetime1">
               <a:rPr lang="fr-FR" smtClean="0"/>
-              <a:t>23/02/2024</a:t>
+              <a:t>24/02/2024</a:t>
             </a:fld>
             <a:endParaRPr lang="fr-FR"/>
           </a:p>
@@ -5522,7 +5520,7 @@
           <a:p>
             <a:fld id="{C1001858-38CC-4220-A931-C7BB43D64C2E}" type="datetime1">
               <a:rPr lang="fr-FR" smtClean="0"/>
-              <a:t>23/02/2024</a:t>
+              <a:t>24/02/2024</a:t>
             </a:fld>
             <a:endParaRPr lang="fr-FR"/>
           </a:p>
@@ -5693,7 +5691,7 @@
           <a:p>
             <a:fld id="{5CB5C6DE-A573-4EC5-AC4A-BE0A1D5C2E71}" type="datetime1">
               <a:rPr lang="fr-FR" smtClean="0"/>
-              <a:t>23/02/2024</a:t>
+              <a:t>24/02/2024</a:t>
             </a:fld>
             <a:endParaRPr lang="fr-FR"/>
           </a:p>
@@ -5873,7 +5871,7 @@
           <a:p>
             <a:fld id="{5E3C1286-E369-4CEC-9E40-4078F49FD7C0}" type="datetime1">
               <a:rPr lang="fr-FR" smtClean="0"/>
-              <a:t>23/02/2024</a:t>
+              <a:t>24/02/2024</a:t>
             </a:fld>
             <a:endParaRPr lang="fr-FR"/>
           </a:p>
@@ -6136,7 +6134,7 @@
           <a:p>
             <a:fld id="{F487658E-D818-4D7F-A88A-922945300D57}" type="datetimeFigureOut">
               <a:rPr lang="fr-FR" smtClean="0"/>
-              <a:t>23/02/2024</a:t>
+              <a:t>24/02/2024</a:t>
             </a:fld>
             <a:endParaRPr lang="fr-FR"/>
           </a:p>
@@ -6401,7 +6399,7 @@
           <a:p>
             <a:fld id="{F487658E-D818-4D7F-A88A-922945300D57}" type="datetimeFigureOut">
               <a:rPr lang="fr-FR" smtClean="0"/>
-              <a:t>23/02/2024</a:t>
+              <a:t>24/02/2024</a:t>
             </a:fld>
             <a:endParaRPr lang="fr-FR"/>
           </a:p>
@@ -6813,7 +6811,7 @@
           <a:p>
             <a:fld id="{F487658E-D818-4D7F-A88A-922945300D57}" type="datetimeFigureOut">
               <a:rPr lang="fr-FR" smtClean="0"/>
-              <a:t>23/02/2024</a:t>
+              <a:t>24/02/2024</a:t>
             </a:fld>
             <a:endParaRPr lang="fr-FR"/>
           </a:p>
@@ -6954,7 +6952,7 @@
           <a:p>
             <a:fld id="{F487658E-D818-4D7F-A88A-922945300D57}" type="datetimeFigureOut">
               <a:rPr lang="fr-FR" smtClean="0"/>
-              <a:t>23/02/2024</a:t>
+              <a:t>24/02/2024</a:t>
             </a:fld>
             <a:endParaRPr lang="fr-FR"/>
           </a:p>
@@ -7067,7 +7065,7 @@
           <a:p>
             <a:fld id="{F487658E-D818-4D7F-A88A-922945300D57}" type="datetimeFigureOut">
               <a:rPr lang="fr-FR" smtClean="0"/>
-              <a:t>23/02/2024</a:t>
+              <a:t>24/02/2024</a:t>
             </a:fld>
             <a:endParaRPr lang="fr-FR"/>
           </a:p>
@@ -7378,7 +7376,7 @@
           <a:p>
             <a:fld id="{F487658E-D818-4D7F-A88A-922945300D57}" type="datetimeFigureOut">
               <a:rPr lang="fr-FR" smtClean="0"/>
-              <a:t>23/02/2024</a:t>
+              <a:t>24/02/2024</a:t>
             </a:fld>
             <a:endParaRPr lang="fr-FR"/>
           </a:p>
@@ -7666,7 +7664,7 @@
           <a:p>
             <a:fld id="{F487658E-D818-4D7F-A88A-922945300D57}" type="datetimeFigureOut">
               <a:rPr lang="fr-FR" smtClean="0"/>
-              <a:t>23/02/2024</a:t>
+              <a:t>24/02/2024</a:t>
             </a:fld>
             <a:endParaRPr lang="fr-FR"/>
           </a:p>
@@ -7907,7 +7905,7 @@
           <a:p>
             <a:fld id="{F487658E-D818-4D7F-A88A-922945300D57}" type="datetimeFigureOut">
               <a:rPr lang="fr-FR" smtClean="0"/>
-              <a:t>23/02/2024</a:t>
+              <a:t>24/02/2024</a:t>
             </a:fld>
             <a:endParaRPr lang="fr-FR"/>
           </a:p>
@@ -8990,7 +8988,7 @@
           <a:p>
             <a:fld id="{F487658E-D818-4D7F-A88A-922945300D57}" type="datetimeFigureOut">
               <a:rPr lang="fr-FR" smtClean="0"/>
-              <a:t>23/02/2024</a:t>
+              <a:t>24/02/2024</a:t>
             </a:fld>
             <a:endParaRPr lang="fr-FR"/>
           </a:p>
@@ -9971,7 +9969,7 @@
           </a:prstGeom>
         </p:spPr>
         <p:txBody>
-          <a:bodyPr rot="0" spcFirstLastPara="0" vertOverflow="overflow" horzOverflow="overflow" vert="horz" lIns="91440" tIns="45720" rIns="91440" bIns="45720" numCol="1" spcCol="0" rtlCol="0" fromWordArt="0" anchorCtr="0" forceAA="0" compatLnSpc="1">
+          <a:bodyPr rot="0" spcFirstLastPara="0" vertOverflow="overflow" horzOverflow="overflow" vert="horz" lIns="91440" tIns="45720" rIns="91440" bIns="45720" numCol="1" spcCol="0" rtlCol="0" fromWordArt="0" anchor="t" anchorCtr="0" forceAA="0" compatLnSpc="1">
             <a:prstTxWarp prst="textNoShape">
               <a:avLst/>
             </a:prstTxWarp>
@@ -9991,7 +9989,7 @@
               <a:buChar char=""/>
             </a:pPr>
             <a:r>
-              <a:rPr lang="en-US">
+              <a:rPr lang="en-US" dirty="0">
                 <a:solidFill>
                   <a:schemeClr val="tx1">
                     <a:lumMod val="75000"/>
@@ -9999,29 +9997,7 @@
                   </a:schemeClr>
                 </a:solidFill>
               </a:rPr>
-              <a:t>Coefficient de </a:t>
-            </a:r>
-            <a:r>
-              <a:rPr lang="en-US" err="1">
-                <a:solidFill>
-                  <a:schemeClr val="tx1">
-                    <a:lumMod val="75000"/>
-                    <a:lumOff val="25000"/>
-                  </a:schemeClr>
-                </a:solidFill>
-              </a:rPr>
-              <a:t>ressemblance</a:t>
-            </a:r>
-            <a:r>
-              <a:rPr lang="en-US">
-                <a:solidFill>
-                  <a:schemeClr val="tx1">
-                    <a:lumMod val="75000"/>
-                    <a:lumOff val="25000"/>
-                  </a:schemeClr>
-                </a:solidFill>
-              </a:rPr>
-              <a:t>= 29.35</a:t>
+              <a:t>MSE= 29.35</a:t>
             </a:r>
           </a:p>
         </p:txBody>
@@ -10196,7 +10172,7 @@
           </a:prstGeom>
         </p:spPr>
         <p:txBody>
-          <a:bodyPr rot="0" spcFirstLastPara="0" vertOverflow="overflow" horzOverflow="overflow" vert="horz" lIns="91440" tIns="45720" rIns="91440" bIns="45720" numCol="1" spcCol="0" rtlCol="0" fromWordArt="0" anchorCtr="0" forceAA="0" compatLnSpc="1">
+          <a:bodyPr rot="0" spcFirstLastPara="0" vertOverflow="overflow" horzOverflow="overflow" vert="horz" lIns="91440" tIns="45720" rIns="91440" bIns="45720" numCol="1" spcCol="0" rtlCol="0" fromWordArt="0" anchor="t" anchorCtr="0" forceAA="0" compatLnSpc="1">
             <a:prstTxWarp prst="textNoShape">
               <a:avLst/>
             </a:prstTxWarp>
@@ -10216,7 +10192,7 @@
               <a:buChar char=""/>
             </a:pPr>
             <a:r>
-              <a:rPr lang="en-US">
+              <a:rPr lang="en-US" dirty="0">
                 <a:solidFill>
                   <a:schemeClr val="tx1">
                     <a:lumMod val="75000"/>
@@ -10224,29 +10200,7 @@
                   </a:schemeClr>
                 </a:solidFill>
               </a:rPr>
-              <a:t>Coefficient de </a:t>
-            </a:r>
-            <a:r>
-              <a:rPr lang="en-US" err="1">
-                <a:solidFill>
-                  <a:schemeClr val="tx1">
-                    <a:lumMod val="75000"/>
-                    <a:lumOff val="25000"/>
-                  </a:schemeClr>
-                </a:solidFill>
-              </a:rPr>
-              <a:t>ressemblance</a:t>
-            </a:r>
-            <a:r>
-              <a:rPr lang="en-US">
-                <a:solidFill>
-                  <a:schemeClr val="tx1">
-                    <a:lumMod val="75000"/>
-                    <a:lumOff val="25000"/>
-                  </a:schemeClr>
-                </a:solidFill>
-              </a:rPr>
-              <a:t>= 26.36</a:t>
+              <a:t>MSE= 26.36</a:t>
             </a:r>
           </a:p>
         </p:txBody>
@@ -10450,7 +10404,7 @@
           </a:prstGeom>
         </p:spPr>
         <p:txBody>
-          <a:bodyPr rot="0" spcFirstLastPara="0" vertOverflow="overflow" horzOverflow="overflow" vert="horz" lIns="91440" tIns="45720" rIns="91440" bIns="45720" numCol="1" spcCol="0" rtlCol="0" fromWordArt="0" anchorCtr="0" forceAA="0" compatLnSpc="1">
+          <a:bodyPr rot="0" spcFirstLastPara="0" vertOverflow="overflow" horzOverflow="overflow" vert="horz" lIns="91440" tIns="45720" rIns="91440" bIns="45720" numCol="1" spcCol="0" rtlCol="0" fromWordArt="0" anchor="t" anchorCtr="0" forceAA="0" compatLnSpc="1">
             <a:prstTxWarp prst="textNoShape">
               <a:avLst/>
             </a:prstTxWarp>
@@ -10470,7 +10424,7 @@
               <a:buChar char=""/>
             </a:pPr>
             <a:r>
-              <a:rPr lang="en-US">
+              <a:rPr lang="en-US" dirty="0">
                 <a:solidFill>
                   <a:schemeClr val="tx1">
                     <a:lumMod val="75000"/>
@@ -10478,29 +10432,7 @@
                   </a:schemeClr>
                 </a:solidFill>
               </a:rPr>
-              <a:t>Coefficient de </a:t>
-            </a:r>
-            <a:r>
-              <a:rPr lang="en-US" err="1">
-                <a:solidFill>
-                  <a:schemeClr val="tx1">
-                    <a:lumMod val="75000"/>
-                    <a:lumOff val="25000"/>
-                  </a:schemeClr>
-                </a:solidFill>
-              </a:rPr>
-              <a:t>ressemblance</a:t>
-            </a:r>
-            <a:r>
-              <a:rPr lang="en-US">
-                <a:solidFill>
-                  <a:schemeClr val="tx1">
-                    <a:lumMod val="75000"/>
-                    <a:lumOff val="25000"/>
-                  </a:schemeClr>
-                </a:solidFill>
-              </a:rPr>
-              <a:t>= 24.31</a:t>
+              <a:t>MSE= 24.31</a:t>
             </a:r>
           </a:p>
         </p:txBody>
